--- a/유닉스 프로젝트_온라인 빙고게임 김석원, 김건우.pptx
+++ b/유닉스 프로젝트_온라인 빙고게임 김석원, 김건우.pptx
@@ -5,7 +5,7 @@
     <p:sldMasterId id="2147483648" r:id="rId1"/>
   </p:sldMasterIdLst>
   <p:notesMasterIdLst>
-    <p:notesMasterId r:id="rId25"/>
+    <p:notesMasterId r:id="rId26"/>
   </p:notesMasterIdLst>
   <p:sldIdLst>
     <p:sldId id="256" r:id="rId2"/>
@@ -31,6 +31,7 @@
     <p:sldId id="276" r:id="rId22"/>
     <p:sldId id="277" r:id="rId23"/>
     <p:sldId id="278" r:id="rId24"/>
+    <p:sldId id="279" r:id="rId25"/>
   </p:sldIdLst>
   <p:sldSz cx="12192000" cy="6858000"/>
   <p:notesSz cx="6858000" cy="9144000"/>
@@ -131,7 +132,7 @@
   </p:defaultTextStyle>
   <p:extLst>
     <p:ext uri="{EFAFB233-063F-42B5-8137-9DF3F51BA10A}">
-      <p15:sldGuideLst xmlns:p15="http://schemas.microsoft.com/office/powerpoint/2012/main" xmlns="">
+      <p15:sldGuideLst xmlns="" xmlns:p15="http://schemas.microsoft.com/office/powerpoint/2012/main">
         <p15:guide id="1" orient="horz" pos="2160" userDrawn="1">
           <p15:clr>
             <a:srgbClr val="A4A3A4"/>
@@ -400,7 +401,7 @@
     </p:spTree>
     <p:extLst>
       <p:ext uri="{BB962C8B-B14F-4D97-AF65-F5344CB8AC3E}">
-        <p14:creationId xmlns:p14="http://schemas.microsoft.com/office/powerpoint/2010/main" xmlns="" val="4118961236"/>
+        <p14:creationId xmlns="" xmlns:p14="http://schemas.microsoft.com/office/powerpoint/2010/main" val="4118961236"/>
       </p:ext>
     </p:extLst>
   </p:cSld>
@@ -684,7 +685,7 @@
     </p:spTree>
     <p:extLst>
       <p:ext uri="{BB962C8B-B14F-4D97-AF65-F5344CB8AC3E}">
-        <p14:creationId xmlns:p14="http://schemas.microsoft.com/office/powerpoint/2010/main" xmlns="" val="2660087294"/>
+        <p14:creationId xmlns="" xmlns:p14="http://schemas.microsoft.com/office/powerpoint/2010/main" val="2660087294"/>
       </p:ext>
     </p:extLst>
   </p:cSld>
@@ -856,7 +857,7 @@
     </p:spTree>
     <p:extLst>
       <p:ext uri="{BB962C8B-B14F-4D97-AF65-F5344CB8AC3E}">
-        <p14:creationId xmlns:p14="http://schemas.microsoft.com/office/powerpoint/2010/main" xmlns="" val="2667225380"/>
+        <p14:creationId xmlns="" xmlns:p14="http://schemas.microsoft.com/office/powerpoint/2010/main" val="2667225380"/>
       </p:ext>
     </p:extLst>
   </p:cSld>
@@ -1038,7 +1039,7 @@
     </p:spTree>
     <p:extLst>
       <p:ext uri="{BB962C8B-B14F-4D97-AF65-F5344CB8AC3E}">
-        <p14:creationId xmlns:p14="http://schemas.microsoft.com/office/powerpoint/2010/main" xmlns="" val="2516681728"/>
+        <p14:creationId xmlns="" xmlns:p14="http://schemas.microsoft.com/office/powerpoint/2010/main" val="2516681728"/>
       </p:ext>
     </p:extLst>
   </p:cSld>
@@ -1210,7 +1211,7 @@
     </p:spTree>
     <p:extLst>
       <p:ext uri="{BB962C8B-B14F-4D97-AF65-F5344CB8AC3E}">
-        <p14:creationId xmlns:p14="http://schemas.microsoft.com/office/powerpoint/2010/main" xmlns="" val="4206458530"/>
+        <p14:creationId xmlns="" xmlns:p14="http://schemas.microsoft.com/office/powerpoint/2010/main" val="4206458530"/>
       </p:ext>
     </p:extLst>
   </p:cSld>
@@ -1458,7 +1459,7 @@
     </p:spTree>
     <p:extLst>
       <p:ext uri="{BB962C8B-B14F-4D97-AF65-F5344CB8AC3E}">
-        <p14:creationId xmlns:p14="http://schemas.microsoft.com/office/powerpoint/2010/main" xmlns="" val="1817251882"/>
+        <p14:creationId xmlns="" xmlns:p14="http://schemas.microsoft.com/office/powerpoint/2010/main" val="1817251882"/>
       </p:ext>
     </p:extLst>
   </p:cSld>
@@ -1692,7 +1693,7 @@
     </p:spTree>
     <p:extLst>
       <p:ext uri="{BB962C8B-B14F-4D97-AF65-F5344CB8AC3E}">
-        <p14:creationId xmlns:p14="http://schemas.microsoft.com/office/powerpoint/2010/main" xmlns="" val="121315471"/>
+        <p14:creationId xmlns="" xmlns:p14="http://schemas.microsoft.com/office/powerpoint/2010/main" val="121315471"/>
       </p:ext>
     </p:extLst>
   </p:cSld>
@@ -2061,7 +2062,7 @@
     </p:spTree>
     <p:extLst>
       <p:ext uri="{BB962C8B-B14F-4D97-AF65-F5344CB8AC3E}">
-        <p14:creationId xmlns:p14="http://schemas.microsoft.com/office/powerpoint/2010/main" xmlns="" val="802898673"/>
+        <p14:creationId xmlns="" xmlns:p14="http://schemas.microsoft.com/office/powerpoint/2010/main" val="802898673"/>
       </p:ext>
     </p:extLst>
   </p:cSld>
@@ -2181,7 +2182,7 @@
     </p:spTree>
     <p:extLst>
       <p:ext uri="{BB962C8B-B14F-4D97-AF65-F5344CB8AC3E}">
-        <p14:creationId xmlns:p14="http://schemas.microsoft.com/office/powerpoint/2010/main" xmlns="" val="2712707901"/>
+        <p14:creationId xmlns="" xmlns:p14="http://schemas.microsoft.com/office/powerpoint/2010/main" val="2712707901"/>
       </p:ext>
     </p:extLst>
   </p:cSld>
@@ -2278,7 +2279,7 @@
     </p:spTree>
     <p:extLst>
       <p:ext uri="{BB962C8B-B14F-4D97-AF65-F5344CB8AC3E}">
-        <p14:creationId xmlns:p14="http://schemas.microsoft.com/office/powerpoint/2010/main" xmlns="" val="2432721523"/>
+        <p14:creationId xmlns="" xmlns:p14="http://schemas.microsoft.com/office/powerpoint/2010/main" val="2432721523"/>
       </p:ext>
     </p:extLst>
   </p:cSld>
@@ -2557,7 +2558,7 @@
     </p:spTree>
     <p:extLst>
       <p:ext uri="{BB962C8B-B14F-4D97-AF65-F5344CB8AC3E}">
-        <p14:creationId xmlns:p14="http://schemas.microsoft.com/office/powerpoint/2010/main" xmlns="" val="1132131346"/>
+        <p14:creationId xmlns="" xmlns:p14="http://schemas.microsoft.com/office/powerpoint/2010/main" val="1132131346"/>
       </p:ext>
     </p:extLst>
   </p:cSld>
@@ -2812,7 +2813,7 @@
     </p:spTree>
     <p:extLst>
       <p:ext uri="{BB962C8B-B14F-4D97-AF65-F5344CB8AC3E}">
-        <p14:creationId xmlns:p14="http://schemas.microsoft.com/office/powerpoint/2010/main" xmlns="" val="2545275444"/>
+        <p14:creationId xmlns="" xmlns:p14="http://schemas.microsoft.com/office/powerpoint/2010/main" val="2545275444"/>
       </p:ext>
     </p:extLst>
   </p:cSld>
@@ -3063,7 +3064,7 @@
     </p:spTree>
     <p:extLst>
       <p:ext uri="{BB962C8B-B14F-4D97-AF65-F5344CB8AC3E}">
-        <p14:creationId xmlns:p14="http://schemas.microsoft.com/office/powerpoint/2010/main" xmlns="" val="619796306"/>
+        <p14:creationId xmlns="" xmlns:p14="http://schemas.microsoft.com/office/powerpoint/2010/main" val="619796306"/>
       </p:ext>
     </p:extLst>
   </p:cSld>
@@ -3691,7 +3692,7 @@
     </p:spTree>
     <p:extLst>
       <p:ext uri="{BB962C8B-B14F-4D97-AF65-F5344CB8AC3E}">
-        <p14:creationId xmlns:p14="http://schemas.microsoft.com/office/powerpoint/2010/main" xmlns="" val="1289001301"/>
+        <p14:creationId xmlns="" xmlns:p14="http://schemas.microsoft.com/office/powerpoint/2010/main" val="1289001301"/>
       </p:ext>
     </p:extLst>
   </p:cSld>
@@ -4136,7 +4137,7 @@
     </p:spTree>
     <p:extLst>
       <p:ext uri="{BB962C8B-B14F-4D97-AF65-F5344CB8AC3E}">
-        <p14:creationId xmlns:p14="http://schemas.microsoft.com/office/powerpoint/2010/main" xmlns="" val="2328276197"/>
+        <p14:creationId xmlns="" xmlns:p14="http://schemas.microsoft.com/office/powerpoint/2010/main" val="2328276197"/>
       </p:ext>
     </p:extLst>
   </p:cSld>
@@ -4629,7 +4630,7 @@
     </p:spTree>
     <p:extLst>
       <p:ext uri="{BB962C8B-B14F-4D97-AF65-F5344CB8AC3E}">
-        <p14:creationId xmlns:p14="http://schemas.microsoft.com/office/powerpoint/2010/main" xmlns="" val="2250678738"/>
+        <p14:creationId xmlns="" xmlns:p14="http://schemas.microsoft.com/office/powerpoint/2010/main" val="2250678738"/>
       </p:ext>
     </p:extLst>
   </p:cSld>
@@ -4994,7 +4995,7 @@
           <a:blip r:embed="rId2">
             <a:extLst>
               <a:ext uri="{28A0092B-C50C-407E-A947-70E740481C1C}">
-                <a14:useLocalDpi xmlns:a14="http://schemas.microsoft.com/office/drawing/2010/main" xmlns="" val="0"/>
+                <a14:useLocalDpi xmlns="" xmlns:a14="http://schemas.microsoft.com/office/drawing/2010/main" val="0"/>
               </a:ext>
             </a:extLst>
           </a:blip>
@@ -5015,7 +5016,7 @@
     </p:spTree>
     <p:extLst>
       <p:ext uri="{BB962C8B-B14F-4D97-AF65-F5344CB8AC3E}">
-        <p14:creationId xmlns:p14="http://schemas.microsoft.com/office/powerpoint/2010/main" xmlns="" val="1714881576"/>
+        <p14:creationId xmlns="" xmlns:p14="http://schemas.microsoft.com/office/powerpoint/2010/main" val="1714881576"/>
       </p:ext>
     </p:extLst>
   </p:cSld>
@@ -5420,7 +5421,7 @@
     </p:spTree>
     <p:extLst>
       <p:ext uri="{BB962C8B-B14F-4D97-AF65-F5344CB8AC3E}">
-        <p14:creationId xmlns:p14="http://schemas.microsoft.com/office/powerpoint/2010/main" xmlns="" val="2905895543"/>
+        <p14:creationId xmlns="" xmlns:p14="http://schemas.microsoft.com/office/powerpoint/2010/main" val="2905895543"/>
       </p:ext>
     </p:extLst>
   </p:cSld>
@@ -5829,7 +5830,7 @@
     </p:spTree>
     <p:extLst>
       <p:ext uri="{BB962C8B-B14F-4D97-AF65-F5344CB8AC3E}">
-        <p14:creationId xmlns:p14="http://schemas.microsoft.com/office/powerpoint/2010/main" xmlns="" val="2540418479"/>
+        <p14:creationId xmlns="" xmlns:p14="http://schemas.microsoft.com/office/powerpoint/2010/main" val="2540418479"/>
       </p:ext>
     </p:extLst>
   </p:cSld>
@@ -6472,7 +6473,7 @@
     </p:spTree>
     <p:extLst>
       <p:ext uri="{BB962C8B-B14F-4D97-AF65-F5344CB8AC3E}">
-        <p14:creationId xmlns:p14="http://schemas.microsoft.com/office/powerpoint/2010/main" xmlns="" val="833238154"/>
+        <p14:creationId xmlns="" xmlns:p14="http://schemas.microsoft.com/office/powerpoint/2010/main" val="833238154"/>
       </p:ext>
     </p:extLst>
   </p:cSld>
@@ -6973,7 +6974,7 @@
     </p:spTree>
     <p:extLst>
       <p:ext uri="{BB962C8B-B14F-4D97-AF65-F5344CB8AC3E}">
-        <p14:creationId xmlns:p14="http://schemas.microsoft.com/office/powerpoint/2010/main" xmlns="" val="1530954811"/>
+        <p14:creationId xmlns="" xmlns:p14="http://schemas.microsoft.com/office/powerpoint/2010/main" val="1530954811"/>
       </p:ext>
     </p:extLst>
   </p:cSld>
@@ -7325,7 +7326,7 @@
           <a:blip r:embed="rId2">
             <a:extLst>
               <a:ext uri="{28A0092B-C50C-407E-A947-70E740481C1C}">
-                <a14:useLocalDpi xmlns:a14="http://schemas.microsoft.com/office/drawing/2010/main" xmlns="" val="0"/>
+                <a14:useLocalDpi xmlns="" xmlns:a14="http://schemas.microsoft.com/office/drawing/2010/main" val="0"/>
               </a:ext>
             </a:extLst>
           </a:blip>
@@ -7346,7 +7347,7 @@
     </p:spTree>
     <p:extLst>
       <p:ext uri="{BB962C8B-B14F-4D97-AF65-F5344CB8AC3E}">
-        <p14:creationId xmlns:p14="http://schemas.microsoft.com/office/powerpoint/2010/main" xmlns="" val="192457308"/>
+        <p14:creationId xmlns="" xmlns:p14="http://schemas.microsoft.com/office/powerpoint/2010/main" val="192457308"/>
       </p:ext>
     </p:extLst>
   </p:cSld>
@@ -7806,7 +7807,7 @@
     </p:spTree>
     <p:extLst>
       <p:ext uri="{BB962C8B-B14F-4D97-AF65-F5344CB8AC3E}">
-        <p14:creationId xmlns:p14="http://schemas.microsoft.com/office/powerpoint/2010/main" xmlns="" val="4098910763"/>
+        <p14:creationId xmlns="" xmlns:p14="http://schemas.microsoft.com/office/powerpoint/2010/main" val="4098910763"/>
       </p:ext>
     </p:extLst>
   </p:cSld>
@@ -8402,7 +8403,7 @@
     </p:spTree>
     <p:extLst>
       <p:ext uri="{BB962C8B-B14F-4D97-AF65-F5344CB8AC3E}">
-        <p14:creationId xmlns:p14="http://schemas.microsoft.com/office/powerpoint/2010/main" xmlns="" val="1979279071"/>
+        <p14:creationId xmlns="" xmlns:p14="http://schemas.microsoft.com/office/powerpoint/2010/main" val="1979279071"/>
       </p:ext>
     </p:extLst>
   </p:cSld>
@@ -8481,7 +8482,7 @@
         <p:spPr>
           <a:xfrm>
             <a:off x="970818" y="2171015"/>
-            <a:ext cx="6446211" cy="3908762"/>
+            <a:ext cx="6446211" cy="4483279"/>
           </a:xfrm>
           <a:prstGeom prst="rect">
             <a:avLst/>
@@ -8606,6 +8607,22 @@
               <a:rPr lang="en-US" altLang="ko-KR" sz="2400" dirty="0" smtClean="0"/>
               <a:t>chart</a:t>
             </a:r>
+          </a:p>
+          <a:p>
+            <a:pPr marL="457200" indent="-457200">
+              <a:spcBef>
+                <a:spcPts val="800"/>
+              </a:spcBef>
+              <a:spcAft>
+                <a:spcPts val="800"/>
+              </a:spcAft>
+              <a:buAutoNum type="arabicPeriod" startAt="2"/>
+            </a:pPr>
+            <a:r>
+              <a:rPr lang="ko-KR" altLang="en-US" sz="2400" smtClean="0"/>
+              <a:t>개발 일정</a:t>
+            </a:r>
+            <a:endParaRPr lang="en-US" altLang="ko-KR" sz="2400" dirty="0" smtClean="0"/>
           </a:p>
           <a:p>
             <a:pPr marL="457200" indent="-457200">
@@ -8814,7 +8831,7 @@
     </p:spTree>
     <p:extLst>
       <p:ext uri="{BB962C8B-B14F-4D97-AF65-F5344CB8AC3E}">
-        <p14:creationId xmlns:p14="http://schemas.microsoft.com/office/powerpoint/2010/main" xmlns="" val="1924083834"/>
+        <p14:creationId xmlns="" xmlns:p14="http://schemas.microsoft.com/office/powerpoint/2010/main" val="1924083834"/>
       </p:ext>
     </p:extLst>
   </p:cSld>
@@ -9326,7 +9343,7 @@
     </p:spTree>
     <p:extLst>
       <p:ext uri="{BB962C8B-B14F-4D97-AF65-F5344CB8AC3E}">
-        <p14:creationId xmlns:p14="http://schemas.microsoft.com/office/powerpoint/2010/main" xmlns="" val="4181208233"/>
+        <p14:creationId xmlns="" xmlns:p14="http://schemas.microsoft.com/office/powerpoint/2010/main" val="4181208233"/>
       </p:ext>
     </p:extLst>
   </p:cSld>
@@ -9757,7 +9774,7 @@
     </p:spTree>
     <p:extLst>
       <p:ext uri="{BB962C8B-B14F-4D97-AF65-F5344CB8AC3E}">
-        <p14:creationId xmlns:p14="http://schemas.microsoft.com/office/powerpoint/2010/main" xmlns="" val="3315939445"/>
+        <p14:creationId xmlns="" xmlns:p14="http://schemas.microsoft.com/office/powerpoint/2010/main" val="3315939445"/>
       </p:ext>
     </p:extLst>
   </p:cSld>
@@ -10467,7 +10484,7 @@
     </p:spTree>
     <p:extLst>
       <p:ext uri="{BB962C8B-B14F-4D97-AF65-F5344CB8AC3E}">
-        <p14:creationId xmlns:p14="http://schemas.microsoft.com/office/powerpoint/2010/main" xmlns="" val="3762927846"/>
+        <p14:creationId xmlns="" xmlns:p14="http://schemas.microsoft.com/office/powerpoint/2010/main" val="3762927846"/>
       </p:ext>
     </p:extLst>
   </p:cSld>
@@ -10808,7 +10825,362 @@
     </p:spTree>
     <p:extLst>
       <p:ext uri="{BB962C8B-B14F-4D97-AF65-F5344CB8AC3E}">
-        <p14:creationId xmlns:p14="http://schemas.microsoft.com/office/powerpoint/2010/main" xmlns="" val="171445409"/>
+        <p14:creationId xmlns="" xmlns:p14="http://schemas.microsoft.com/office/powerpoint/2010/main" val="171445409"/>
+      </p:ext>
+    </p:extLst>
+  </p:cSld>
+  <p:clrMapOvr>
+    <a:masterClrMapping/>
+  </p:clrMapOvr>
+  <p:timing>
+    <p:tnLst>
+      <p:par>
+        <p:cTn id="1" dur="indefinite" restart="never" nodeType="tmRoot"/>
+      </p:par>
+    </p:tnLst>
+  </p:timing>
+</p:sld>
+</file>
+
+<file path=ppt/slides/slide24.xml><?xml version="1.0" encoding="utf-8"?>
+<p:sld xmlns:a="http://schemas.openxmlformats.org/drawingml/2006/main" xmlns:r="http://schemas.openxmlformats.org/officeDocument/2006/relationships" xmlns:p="http://schemas.openxmlformats.org/presentationml/2006/main">
+  <p:cSld>
+    <p:spTree>
+      <p:nvGrpSpPr>
+        <p:cNvPr id="1" name=""/>
+        <p:cNvGrpSpPr/>
+        <p:nvPr/>
+      </p:nvGrpSpPr>
+      <p:grpSpPr>
+        <a:xfrm>
+          <a:off x="0" y="0"/>
+          <a:ext cx="0" cy="0"/>
+          <a:chOff x="0" y="0"/>
+          <a:chExt cx="0" cy="0"/>
+        </a:xfrm>
+      </p:grpSpPr>
+      <p:sp>
+        <p:nvSpPr>
+          <p:cNvPr id="4" name="TextBox 3"/>
+          <p:cNvSpPr txBox="1"/>
+          <p:nvPr/>
+        </p:nvSpPr>
+        <p:spPr>
+          <a:xfrm>
+            <a:off x="896816" y="1422109"/>
+            <a:ext cx="2672526" cy="646331"/>
+          </a:xfrm>
+          <a:prstGeom prst="rect">
+            <a:avLst/>
+          </a:prstGeom>
+          <a:noFill/>
+        </p:spPr>
+        <p:txBody>
+          <a:bodyPr wrap="none" rtlCol="0">
+            <a:spAutoFit/>
+          </a:bodyPr>
+          <a:lstStyle/>
+          <a:p>
+            <a:pPr>
+              <a:spcBef>
+                <a:spcPts val="800"/>
+              </a:spcBef>
+              <a:spcAft>
+                <a:spcPts val="800"/>
+              </a:spcAft>
+            </a:pPr>
+            <a:r>
+              <a:rPr lang="en-US" altLang="ko-KR" sz="3600" b="1" dirty="0" smtClean="0">
+                <a:latin typeface="Arial" panose="020B0604020202020204" pitchFamily="34" charset="0"/>
+                <a:cs typeface="Arial" panose="020B0604020202020204" pitchFamily="34" charset="0"/>
+              </a:rPr>
+              <a:t>7</a:t>
+            </a:r>
+            <a:r>
+              <a:rPr lang="en-US" altLang="ko-KR" sz="3600" b="1" dirty="0" smtClean="0">
+                <a:latin typeface="Arial" panose="020B0604020202020204" pitchFamily="34" charset="0"/>
+                <a:cs typeface="Arial" panose="020B0604020202020204" pitchFamily="34" charset="0"/>
+              </a:rPr>
+              <a:t>. </a:t>
+            </a:r>
+            <a:r>
+              <a:rPr lang="ko-KR" altLang="en-US" sz="3600" b="1" dirty="0" smtClean="0">
+                <a:latin typeface="Arial" panose="020B0604020202020204" pitchFamily="34" charset="0"/>
+                <a:cs typeface="Arial" panose="020B0604020202020204" pitchFamily="34" charset="0"/>
+              </a:rPr>
+              <a:t>개발 일정</a:t>
+            </a:r>
+            <a:endParaRPr lang="en-US" altLang="ko-KR" sz="3600" dirty="0">
+              <a:latin typeface="Arial" panose="020B0604020202020204" pitchFamily="34" charset="0"/>
+              <a:cs typeface="Arial" panose="020B0604020202020204" pitchFamily="34" charset="0"/>
+            </a:endParaRPr>
+          </a:p>
+        </p:txBody>
+      </p:sp>
+      <p:sp>
+        <p:nvSpPr>
+          <p:cNvPr id="6" name="직사각형 5"/>
+          <p:cNvSpPr/>
+          <p:nvPr/>
+        </p:nvSpPr>
+        <p:spPr>
+          <a:xfrm>
+            <a:off x="0" y="1"/>
+            <a:ext cx="12192000" cy="914400"/>
+          </a:xfrm>
+          <a:prstGeom prst="rect">
+            <a:avLst/>
+          </a:prstGeom>
+          <a:solidFill>
+            <a:srgbClr val="233149"/>
+          </a:solidFill>
+          <a:ln>
+            <a:noFill/>
+          </a:ln>
+        </p:spPr>
+        <p:style>
+          <a:lnRef idx="2">
+            <a:schemeClr val="accent1">
+              <a:shade val="50000"/>
+            </a:schemeClr>
+          </a:lnRef>
+          <a:fillRef idx="1">
+            <a:schemeClr val="accent1"/>
+          </a:fillRef>
+          <a:effectRef idx="0">
+            <a:schemeClr val="accent1"/>
+          </a:effectRef>
+          <a:fontRef idx="minor">
+            <a:schemeClr val="lt1"/>
+          </a:fontRef>
+        </p:style>
+        <p:txBody>
+          <a:bodyPr rtlCol="0" anchor="ctr"/>
+          <a:lstStyle/>
+          <a:p>
+            <a:pPr algn="ctr"/>
+            <a:endParaRPr lang="ko-KR" altLang="en-US" dirty="0"/>
+          </a:p>
+        </p:txBody>
+      </p:sp>
+      <p:sp>
+        <p:nvSpPr>
+          <p:cNvPr id="7" name="직사각형 6"/>
+          <p:cNvSpPr/>
+          <p:nvPr/>
+        </p:nvSpPr>
+        <p:spPr>
+          <a:xfrm>
+            <a:off x="10427677" y="1"/>
+            <a:ext cx="1764323" cy="914400"/>
+          </a:xfrm>
+          <a:prstGeom prst="rect">
+            <a:avLst/>
+          </a:prstGeom>
+          <a:solidFill>
+            <a:srgbClr val="BFBFBF"/>
+          </a:solidFill>
+          <a:ln>
+            <a:noFill/>
+          </a:ln>
+        </p:spPr>
+        <p:style>
+          <a:lnRef idx="2">
+            <a:schemeClr val="accent1">
+              <a:shade val="50000"/>
+            </a:schemeClr>
+          </a:lnRef>
+          <a:fillRef idx="1">
+            <a:schemeClr val="accent1"/>
+          </a:fillRef>
+          <a:effectRef idx="0">
+            <a:schemeClr val="accent1"/>
+          </a:effectRef>
+          <a:fontRef idx="minor">
+            <a:schemeClr val="lt1"/>
+          </a:fontRef>
+        </p:style>
+        <p:txBody>
+          <a:bodyPr rtlCol="0" anchor="ctr"/>
+          <a:lstStyle/>
+          <a:p>
+            <a:pPr algn="ctr"/>
+            <a:endParaRPr lang="ko-KR" altLang="en-US"/>
+          </a:p>
+        </p:txBody>
+      </p:sp>
+      <p:sp>
+        <p:nvSpPr>
+          <p:cNvPr id="8" name="직각 삼각형 7"/>
+          <p:cNvSpPr/>
+          <p:nvPr/>
+        </p:nvSpPr>
+        <p:spPr>
+          <a:xfrm flipH="1">
+            <a:off x="9689123" y="2"/>
+            <a:ext cx="738554" cy="914400"/>
+          </a:xfrm>
+          <a:prstGeom prst="rtTriangle">
+            <a:avLst/>
+          </a:prstGeom>
+          <a:solidFill>
+            <a:srgbClr val="BFBFBF"/>
+          </a:solidFill>
+          <a:ln>
+            <a:noFill/>
+          </a:ln>
+        </p:spPr>
+        <p:style>
+          <a:lnRef idx="2">
+            <a:schemeClr val="accent1">
+              <a:shade val="50000"/>
+            </a:schemeClr>
+          </a:lnRef>
+          <a:fillRef idx="1">
+            <a:schemeClr val="accent1"/>
+          </a:fillRef>
+          <a:effectRef idx="0">
+            <a:schemeClr val="accent1"/>
+          </a:effectRef>
+          <a:fontRef idx="minor">
+            <a:schemeClr val="lt1"/>
+          </a:fontRef>
+        </p:style>
+        <p:txBody>
+          <a:bodyPr rtlCol="0" anchor="ctr"/>
+          <a:lstStyle/>
+          <a:p>
+            <a:pPr algn="ctr"/>
+            <a:endParaRPr lang="ko-KR" altLang="en-US"/>
+          </a:p>
+        </p:txBody>
+      </p:sp>
+      <p:sp>
+        <p:nvSpPr>
+          <p:cNvPr id="9" name="직사각형 8"/>
+          <p:cNvSpPr/>
+          <p:nvPr/>
+        </p:nvSpPr>
+        <p:spPr>
+          <a:xfrm>
+            <a:off x="703385" y="1485902"/>
+            <a:ext cx="70339" cy="518746"/>
+          </a:xfrm>
+          <a:prstGeom prst="rect">
+            <a:avLst/>
+          </a:prstGeom>
+          <a:solidFill>
+            <a:srgbClr val="233149"/>
+          </a:solidFill>
+          <a:ln>
+            <a:noFill/>
+          </a:ln>
+        </p:spPr>
+        <p:style>
+          <a:lnRef idx="2">
+            <a:schemeClr val="accent1">
+              <a:shade val="50000"/>
+            </a:schemeClr>
+          </a:lnRef>
+          <a:fillRef idx="1">
+            <a:schemeClr val="accent1"/>
+          </a:fillRef>
+          <a:effectRef idx="0">
+            <a:schemeClr val="accent1"/>
+          </a:effectRef>
+          <a:fontRef idx="minor">
+            <a:schemeClr val="lt1"/>
+          </a:fontRef>
+        </p:style>
+        <p:txBody>
+          <a:bodyPr rtlCol="0" anchor="ctr"/>
+          <a:lstStyle/>
+          <a:p>
+            <a:pPr algn="ctr"/>
+            <a:endParaRPr lang="ko-KR" altLang="en-US">
+              <a:latin typeface="Arial" panose="020B0604020202020204" pitchFamily="34" charset="0"/>
+              <a:cs typeface="Arial" panose="020B0604020202020204" pitchFamily="34" charset="0"/>
+            </a:endParaRPr>
+          </a:p>
+        </p:txBody>
+      </p:sp>
+      <p:sp>
+        <p:nvSpPr>
+          <p:cNvPr id="2" name="TextBox 1"/>
+          <p:cNvSpPr txBox="1"/>
+          <p:nvPr/>
+        </p:nvSpPr>
+        <p:spPr>
+          <a:xfrm>
+            <a:off x="1" y="2408849"/>
+            <a:ext cx="12191999" cy="1200329"/>
+          </a:xfrm>
+          <a:prstGeom prst="rect">
+            <a:avLst/>
+          </a:prstGeom>
+          <a:noFill/>
+        </p:spPr>
+        <p:txBody>
+          <a:bodyPr wrap="square" rtlCol="0">
+            <a:spAutoFit/>
+          </a:bodyPr>
+          <a:lstStyle/>
+          <a:p>
+            <a:r>
+              <a:rPr lang="ko-KR" altLang="en-US" dirty="0"/>
+              <a:t/>
+            </a:r>
+            <a:br>
+              <a:rPr lang="ko-KR" altLang="en-US" dirty="0"/>
+            </a:br>
+            <a:r>
+              <a:rPr lang="ko-KR" altLang="en-US" dirty="0"/>
+              <a:t/>
+            </a:r>
+            <a:br>
+              <a:rPr lang="ko-KR" altLang="en-US" dirty="0"/>
+            </a:br>
+            <a:r>
+              <a:rPr lang="ko-KR" altLang="en-US" dirty="0"/>
+              <a:t/>
+            </a:r>
+            <a:br>
+              <a:rPr lang="ko-KR" altLang="en-US" dirty="0"/>
+            </a:br>
+            <a:endParaRPr lang="ko-KR" altLang="en-US" dirty="0"/>
+          </a:p>
+        </p:txBody>
+      </p:sp>
+      <p:pic>
+        <p:nvPicPr>
+          <p:cNvPr id="3" name="Picture 2" descr="C:\Users\Moblab\Documents\bingo\qwer.jpg"/>
+          <p:cNvPicPr>
+            <a:picLocks noChangeAspect="1" noChangeArrowheads="1"/>
+          </p:cNvPicPr>
+          <p:nvPr/>
+        </p:nvPicPr>
+        <p:blipFill>
+          <a:blip r:embed="rId2"/>
+          <a:srcRect/>
+          <a:stretch>
+            <a:fillRect/>
+          </a:stretch>
+        </p:blipFill>
+        <p:spPr bwMode="auto">
+          <a:xfrm>
+            <a:off x="265471" y="2849716"/>
+            <a:ext cx="11466929" cy="3256116"/>
+          </a:xfrm>
+          <a:prstGeom prst="rect">
+            <a:avLst/>
+          </a:prstGeom>
+          <a:noFill/>
+        </p:spPr>
+      </p:pic>
+    </p:spTree>
+    <p:extLst>
+      <p:ext uri="{BB962C8B-B14F-4D97-AF65-F5344CB8AC3E}">
+        <p14:creationId xmlns="" xmlns:p14="http://schemas.microsoft.com/office/powerpoint/2010/main" val="171445409"/>
       </p:ext>
     </p:extLst>
   </p:cSld>
@@ -11149,7 +11521,7 @@
     </p:spTree>
     <p:extLst>
       <p:ext uri="{BB962C8B-B14F-4D97-AF65-F5344CB8AC3E}">
-        <p14:creationId xmlns:p14="http://schemas.microsoft.com/office/powerpoint/2010/main" xmlns="" val="1872895618"/>
+        <p14:creationId xmlns="" xmlns:p14="http://schemas.microsoft.com/office/powerpoint/2010/main" val="1872895618"/>
       </p:ext>
     </p:extLst>
   </p:cSld>
@@ -11545,7 +11917,7 @@
     </p:spTree>
     <p:extLst>
       <p:ext uri="{BB962C8B-B14F-4D97-AF65-F5344CB8AC3E}">
-        <p14:creationId xmlns:p14="http://schemas.microsoft.com/office/powerpoint/2010/main" xmlns="" val="3977828288"/>
+        <p14:creationId xmlns="" xmlns:p14="http://schemas.microsoft.com/office/powerpoint/2010/main" val="3977828288"/>
       </p:ext>
     </p:extLst>
   </p:cSld>
@@ -11952,7 +12324,7 @@
     </p:spTree>
     <p:extLst>
       <p:ext uri="{BB962C8B-B14F-4D97-AF65-F5344CB8AC3E}">
-        <p14:creationId xmlns:p14="http://schemas.microsoft.com/office/powerpoint/2010/main" xmlns="" val="2194912115"/>
+        <p14:creationId xmlns="" xmlns:p14="http://schemas.microsoft.com/office/powerpoint/2010/main" val="2194912115"/>
       </p:ext>
     </p:extLst>
   </p:cSld>
@@ -12267,7 +12639,7 @@
     </p:spTree>
     <p:extLst>
       <p:ext uri="{BB962C8B-B14F-4D97-AF65-F5344CB8AC3E}">
-        <p14:creationId xmlns:p14="http://schemas.microsoft.com/office/powerpoint/2010/main" xmlns="" val="2292775465"/>
+        <p14:creationId xmlns="" xmlns:p14="http://schemas.microsoft.com/office/powerpoint/2010/main" val="2292775465"/>
       </p:ext>
     </p:extLst>
   </p:cSld>
@@ -12668,7 +13040,7 @@
     </p:spTree>
     <p:extLst>
       <p:ext uri="{BB962C8B-B14F-4D97-AF65-F5344CB8AC3E}">
-        <p14:creationId xmlns:p14="http://schemas.microsoft.com/office/powerpoint/2010/main" xmlns="" val="490878533"/>
+        <p14:creationId xmlns="" xmlns:p14="http://schemas.microsoft.com/office/powerpoint/2010/main" val="490878533"/>
       </p:ext>
     </p:extLst>
   </p:cSld>
@@ -13182,7 +13554,7 @@
     </p:spTree>
     <p:extLst>
       <p:ext uri="{BB962C8B-B14F-4D97-AF65-F5344CB8AC3E}">
-        <p14:creationId xmlns:p14="http://schemas.microsoft.com/office/powerpoint/2010/main" xmlns="" val="1399335594"/>
+        <p14:creationId xmlns="" xmlns:p14="http://schemas.microsoft.com/office/powerpoint/2010/main" val="1399335594"/>
       </p:ext>
     </p:extLst>
   </p:cSld>
@@ -13685,7 +14057,7 @@
     </p:spTree>
     <p:extLst>
       <p:ext uri="{BB962C8B-B14F-4D97-AF65-F5344CB8AC3E}">
-        <p14:creationId xmlns:p14="http://schemas.microsoft.com/office/powerpoint/2010/main" xmlns="" val="2755678182"/>
+        <p14:creationId xmlns="" xmlns:p14="http://schemas.microsoft.com/office/powerpoint/2010/main" val="2755678182"/>
       </p:ext>
     </p:extLst>
   </p:cSld>
@@ -13957,7 +14329,7 @@
   <a:extraClrSchemeLst/>
   <a:extLst>
     <a:ext uri="{05A4C25C-085E-4340-85A3-A5531E510DB2}">
-      <thm15:themeFamily xmlns:thm15="http://schemas.microsoft.com/office/thememl/2012/main" xmlns="" name="Office Theme" id="{62F939B6-93AF-4DB8-9C6B-D6C7DFDC589F}" vid="{4A3C46E8-61CC-4603-A589-7422A47A8E4A}"/>
+      <thm15:themeFamily xmlns="" xmlns:thm15="http://schemas.microsoft.com/office/thememl/2012/main" name="Office Theme" id="{62F939B6-93AF-4DB8-9C6B-D6C7DFDC589F}" vid="{4A3C46E8-61CC-4603-A589-7422A47A8E4A}"/>
     </a:ext>
   </a:extLst>
 </a:theme>
@@ -14218,7 +14590,7 @@
   <a:extraClrSchemeLst/>
   <a:extLst>
     <a:ext uri="{05A4C25C-085E-4340-85A3-A5531E510DB2}">
-      <thm15:themeFamily xmlns:thm15="http://schemas.microsoft.com/office/thememl/2012/main" xmlns="" name="Office Theme" id="{62F939B6-93AF-4DB8-9C6B-D6C7DFDC589F}" vid="{4A3C46E8-61CC-4603-A589-7422A47A8E4A}"/>
+      <thm15:themeFamily xmlns="" xmlns:thm15="http://schemas.microsoft.com/office/thememl/2012/main" name="Office Theme" id="{62F939B6-93AF-4DB8-9C6B-D6C7DFDC589F}" vid="{4A3C46E8-61CC-4603-A589-7422A47A8E4A}"/>
     </a:ext>
   </a:extLst>
 </a:theme>
